--- a/DDDM/delivery/DDDM-Overview.pptx
+++ b/DDDM/delivery/DDDM-Overview.pptx
@@ -3619,8 +3619,8 @@
         </p:blipFill>
         <p:spPr>
           <a:xfrm>
-            <a:off x="234950" y="1350010"/>
-            <a:ext cx="8966835" cy="5966460"/>
+            <a:off x="90805" y="1293495"/>
+            <a:ext cx="9228455" cy="6140450"/>
           </a:xfrm>
           <a:prstGeom prst="rect">
             <a:avLst/>
@@ -3682,16 +3682,14 @@
           <a:lstStyle/>
           <a:p>
             <a:r>
-              <a:t>Draw a word cloud</a:t>
-            </a:r>
-          </a:p>
-          <a:p>
-            <a:r>
-              <a:t>https://monkeylearn.com/word-cloud</a:t>
-            </a:r>
-          </a:p>
-          <a:p/>
-          <a:p/>
+              <a:t> Draw a word cloud</a:t>
+            </a:r>
+          </a:p>
+          <a:p>
+            <a:r>
+              <a:t> https://monkeylearn.com/word-cloud/</a:t>
+            </a:r>
+          </a:p>
         </p:txBody>
       </p:sp>
       <p:sp>
@@ -6434,6 +6432,32 @@
           <a:p>
             <a:r>
               <a:t> Benchmarking activity</a:t>
+            </a:r>
+          </a:p>
+          <a:p>
+            <a:r>
+              <a:t> Example:</a:t>
+            </a:r>
+            <a:r>
+              <a:rPr>
+                <a:hlinkClick r:id="rId1"/>
+              </a:rPr>
+              <a:t> https://www.lucidchart.com/techblog/2012/11/14/ie10-how-does-it-really-stack-up/</a:t>
+            </a:r>
+          </a:p>
+          <a:p>
+            <a:r>
+              <a:t> Use your favorite project</a:t>
+            </a:r>
+          </a:p>
+          <a:p>
+            <a:r>
+              <a:t> Define your goals</a:t>
+            </a:r>
+          </a:p>
+          <a:p>
+            <a:r>
+              <a:t> Create benchmarks for competing approaches</a:t>
             </a:r>
           </a:p>
         </p:txBody>
@@ -13959,8 +13983,8 @@
         </p:blipFill>
         <p:spPr>
           <a:xfrm>
-            <a:off x="706755" y="1590040"/>
-            <a:ext cx="7959090" cy="1679575"/>
+            <a:off x="410845" y="2263140"/>
+            <a:ext cx="8492490" cy="1791335"/>
           </a:xfrm>
           <a:prstGeom prst="rect">
             <a:avLst/>
